--- a/IoT_PPT_Font.pptx
+++ b/IoT_PPT_Font.pptx
@@ -11910,9 +11910,10 @@
           <a:lstStyle/>
           <a:p>
             <a:r>
-              <a:rPr lang="ko-KR" altLang="en-US" dirty="0"/>
-              <a:t>초기 디자인</a:t>
-            </a:r>
+              <a:rPr lang="ko-KR" altLang="en-US" dirty="0" err="1"/>
+              <a:t>구상안</a:t>
+            </a:r>
+            <a:endParaRPr lang="ko-KR" altLang="en-US" dirty="0"/>
           </a:p>
         </p:txBody>
       </p:sp>
